--- a/DevOps.WinApp/Talk.Later/Chito.DevOps.WindowsDesktopApps.and.AppCenter.pptx
+++ b/DevOps.WinApp/Talk.Later/Chito.DevOps.WindowsDesktopApps.and.AppCenter.pptx
@@ -5,7 +5,7 @@
     <p:sldMasterId id="2147483715" r:id="rId4"/>
   </p:sldMasterIdLst>
   <p:notesMasterIdLst>
-    <p:notesMasterId r:id="rId15"/>
+    <p:notesMasterId r:id="rId14"/>
   </p:notesMasterIdLst>
   <p:sldIdLst>
     <p:sldId id="256" r:id="rId5"/>
@@ -14,10 +14,9 @@
     <p:sldId id="1932" r:id="rId8"/>
     <p:sldId id="1934" r:id="rId9"/>
     <p:sldId id="261" r:id="rId10"/>
-    <p:sldId id="278" r:id="rId11"/>
-    <p:sldId id="266" r:id="rId12"/>
-    <p:sldId id="265" r:id="rId13"/>
-    <p:sldId id="1933" r:id="rId14"/>
+    <p:sldId id="266" r:id="rId11"/>
+    <p:sldId id="265" r:id="rId12"/>
+    <p:sldId id="1933" r:id="rId13"/>
   </p:sldIdLst>
   <p:sldSz cx="12192000" cy="6858000"/>
   <p:notesSz cx="6858000" cy="9144000"/>
@@ -127,7 +126,6 @@
             <p14:sldId id="1932"/>
             <p14:sldId id="1934"/>
             <p14:sldId id="261"/>
-            <p14:sldId id="278"/>
             <p14:sldId id="266"/>
             <p14:sldId id="265"/>
             <p14:sldId id="1933"/>
@@ -1147,90 +1145,6 @@
             <a:spLocks noGrp="1"/>
           </p:cNvSpPr>
           <p:nvPr>
-            <p:ph type="sldNum" sz="quarter" idx="5"/>
-          </p:nvPr>
-        </p:nvSpPr>
-        <p:spPr/>
-        <p:txBody>
-          <a:bodyPr/>
-          <a:lstStyle/>
-          <a:p>
-            <a:fld id="{E0AE778D-2A57-4226-B72B-26EA3CA60131}" type="slidenum">
-              <a:rPr lang="en-US" smtClean="0"/>
-              <a:t>7</a:t>
-            </a:fld>
-            <a:endParaRPr lang="en-US"/>
-          </a:p>
-        </p:txBody>
-      </p:sp>
-    </p:spTree>
-    <p:extLst>
-      <p:ext uri="{BB962C8B-B14F-4D97-AF65-F5344CB8AC3E}">
-        <p14:creationId xmlns:p14="http://schemas.microsoft.com/office/powerpoint/2010/main" val="1818445089"/>
-      </p:ext>
-    </p:extLst>
-  </p:cSld>
-  <p:clrMapOvr>
-    <a:masterClrMapping/>
-  </p:clrMapOvr>
-</p:notes>
-</file>
-
-<file path=ppt/notesSlides/notesSlide8.xml><?xml version="1.0" encoding="utf-8"?>
-<p:notes xmlns:a="http://schemas.openxmlformats.org/drawingml/2006/main" xmlns:r="http://schemas.openxmlformats.org/officeDocument/2006/relationships" xmlns:p="http://schemas.openxmlformats.org/presentationml/2006/main">
-  <p:cSld>
-    <p:spTree>
-      <p:nvGrpSpPr>
-        <p:cNvPr id="1" name=""/>
-        <p:cNvGrpSpPr/>
-        <p:nvPr/>
-      </p:nvGrpSpPr>
-      <p:grpSpPr>
-        <a:xfrm>
-          <a:off x="0" y="0"/>
-          <a:ext cx="0" cy="0"/>
-          <a:chOff x="0" y="0"/>
-          <a:chExt cx="0" cy="0"/>
-        </a:xfrm>
-      </p:grpSpPr>
-      <p:sp>
-        <p:nvSpPr>
-          <p:cNvPr id="2" name="Slide Image Placeholder 1"/>
-          <p:cNvSpPr>
-            <a:spLocks noGrp="1" noRot="1" noChangeAspect="1"/>
-          </p:cNvSpPr>
-          <p:nvPr>
-            <p:ph type="sldImg"/>
-          </p:nvPr>
-        </p:nvSpPr>
-        <p:spPr/>
-      </p:sp>
-      <p:sp>
-        <p:nvSpPr>
-          <p:cNvPr id="3" name="Notes Placeholder 2"/>
-          <p:cNvSpPr>
-            <a:spLocks noGrp="1"/>
-          </p:cNvSpPr>
-          <p:nvPr>
-            <p:ph type="body" idx="1"/>
-          </p:nvPr>
-        </p:nvSpPr>
-        <p:spPr/>
-        <p:txBody>
-          <a:bodyPr/>
-          <a:lstStyle/>
-          <a:p>
-            <a:endParaRPr lang="en-US"/>
-          </a:p>
-        </p:txBody>
-      </p:sp>
-      <p:sp>
-        <p:nvSpPr>
-          <p:cNvPr id="4" name="Slide Number Placeholder 3"/>
-          <p:cNvSpPr>
-            <a:spLocks noGrp="1"/>
-          </p:cNvSpPr>
-          <p:nvPr>
             <p:ph type="sldNum" sz="quarter" idx="10"/>
           </p:nvPr>
         </p:nvSpPr>
@@ -1241,7 +1155,7 @@
           <a:p>
             <a:fld id="{E0AE778D-2A57-4226-B72B-26EA3CA60131}" type="slidenum">
               <a:rPr lang="en-US" smtClean="0"/>
-              <a:t>9</a:t>
+              <a:t>8</a:t>
             </a:fld>
             <a:endParaRPr lang="en-US"/>
           </a:p>
@@ -6300,67 +6214,6 @@
 </p:sld>
 </file>
 
-<file path=ppt/slides/slide10.xml><?xml version="1.0" encoding="utf-8"?>
-<p:sld xmlns:a="http://schemas.openxmlformats.org/drawingml/2006/main" xmlns:r="http://schemas.openxmlformats.org/officeDocument/2006/relationships" xmlns:p="http://schemas.openxmlformats.org/presentationml/2006/main">
-  <p:cSld>
-    <p:spTree>
-      <p:nvGrpSpPr>
-        <p:cNvPr id="1" name=""/>
-        <p:cNvGrpSpPr/>
-        <p:nvPr/>
-      </p:nvGrpSpPr>
-      <p:grpSpPr>
-        <a:xfrm>
-          <a:off x="0" y="0"/>
-          <a:ext cx="0" cy="0"/>
-          <a:chOff x="0" y="0"/>
-          <a:chExt cx="0" cy="0"/>
-        </a:xfrm>
-      </p:grpSpPr>
-      <p:sp>
-        <p:nvSpPr>
-          <p:cNvPr id="2" name="Title 1">
-            <a:extLst>
-              <a:ext uri="{FF2B5EF4-FFF2-40B4-BE49-F238E27FC236}">
-                <a16:creationId xmlns:a16="http://schemas.microsoft.com/office/drawing/2014/main" id="{EEB8CB93-C152-4A3D-BED8-2A7B45E01969}"/>
-              </a:ext>
-            </a:extLst>
-          </p:cNvPr>
-          <p:cNvSpPr>
-            <a:spLocks noGrp="1"/>
-          </p:cNvSpPr>
-          <p:nvPr>
-            <p:ph type="title"/>
-          </p:nvPr>
-        </p:nvSpPr>
-        <p:spPr/>
-        <p:txBody>
-          <a:bodyPr/>
-          <a:lstStyle/>
-          <a:p>
-            <a:r>
-              <a:rPr lang="en-US"/>
-              <a:t>Q&amp;A</a:t>
-            </a:r>
-          </a:p>
-        </p:txBody>
-      </p:sp>
-    </p:spTree>
-    <p:extLst>
-      <p:ext uri="{BB962C8B-B14F-4D97-AF65-F5344CB8AC3E}">
-        <p14:creationId xmlns:p14="http://schemas.microsoft.com/office/powerpoint/2010/main" val="3620381772"/>
-      </p:ext>
-    </p:extLst>
-  </p:cSld>
-  <p:clrMapOvr>
-    <a:masterClrMapping/>
-  </p:clrMapOvr>
-  <p:transition>
-    <p:fade/>
-  </p:transition>
-</p:sld>
-</file>
-
 <file path=ppt/slides/slide2.xml><?xml version="1.0" encoding="utf-8"?>
 <p:sld xmlns:a="http://schemas.openxmlformats.org/drawingml/2006/main" xmlns:r="http://schemas.openxmlformats.org/officeDocument/2006/relationships" xmlns:p="http://schemas.openxmlformats.org/presentationml/2006/main">
   <p:cSld>
@@ -11767,330 +11620,6 @@
       </p:grpSpPr>
       <p:sp>
         <p:nvSpPr>
-          <p:cNvPr id="4" name="Title 3">
-            <a:extLst>
-              <a:ext uri="{FF2B5EF4-FFF2-40B4-BE49-F238E27FC236}">
-                <a16:creationId xmlns:a16="http://schemas.microsoft.com/office/drawing/2014/main" id="{D667D6AA-46C0-4A5E-BA12-38C77036F7B8}"/>
-              </a:ext>
-            </a:extLst>
-          </p:cNvPr>
-          <p:cNvSpPr>
-            <a:spLocks noGrp="1"/>
-          </p:cNvSpPr>
-          <p:nvPr>
-            <p:ph type="title"/>
-          </p:nvPr>
-        </p:nvSpPr>
-        <p:spPr/>
-        <p:txBody>
-          <a:bodyPr/>
-          <a:lstStyle/>
-          <a:p>
-            <a:r>
-              <a:rPr lang="en-US"/>
-              <a:t>.NET Conf 2019 Desktop Sessions</a:t>
-            </a:r>
-          </a:p>
-        </p:txBody>
-      </p:sp>
-      <p:sp>
-        <p:nvSpPr>
-          <p:cNvPr id="5" name="Text Placeholder 4">
-            <a:extLst>
-              <a:ext uri="{FF2B5EF4-FFF2-40B4-BE49-F238E27FC236}">
-                <a16:creationId xmlns:a16="http://schemas.microsoft.com/office/drawing/2014/main" id="{DDE5B4ED-A41D-4353-AD88-692B03DEE568}"/>
-              </a:ext>
-            </a:extLst>
-          </p:cNvPr>
-          <p:cNvSpPr>
-            <a:spLocks noGrp="1"/>
-          </p:cNvSpPr>
-          <p:nvPr>
-            <p:ph type="body" sz="quarter" idx="10"/>
-          </p:nvPr>
-        </p:nvSpPr>
-        <p:spPr>
-          <a:xfrm>
-            <a:off x="269241" y="1189175"/>
-            <a:ext cx="5378548" cy="4916731"/>
-          </a:xfrm>
-        </p:spPr>
-        <p:txBody>
-          <a:bodyPr/>
-          <a:lstStyle/>
-          <a:p>
-            <a:pPr marL="0" indent="0">
-              <a:buNone/>
-            </a:pPr>
-            <a:r>
-              <a:rPr lang="en-US" sz="2500" b="1">
-                <a:solidFill>
-                  <a:srgbClr val="0070C0"/>
-                </a:solidFill>
-              </a:rPr>
-              <a:t>Day 1</a:t>
-            </a:r>
-            <a:endParaRPr lang="en-US" sz="2500" b="1"/>
-          </a:p>
-          <a:p>
-            <a:pPr marL="0" indent="0">
-              <a:buNone/>
-            </a:pPr>
-            <a:r>
-              <a:rPr lang="en-US" sz="2500" b="1"/>
-              <a:t>Modernizing .NET Desktop Applications with .NET Core</a:t>
-            </a:r>
-          </a:p>
-          <a:p>
-            <a:pPr marL="0" indent="0">
-              <a:buNone/>
-            </a:pPr>
-            <a:r>
-              <a:rPr lang="en-US" sz="2500"/>
-              <a:t>Speaker: Olia Gavrysh</a:t>
-            </a:r>
-          </a:p>
-          <a:p>
-            <a:pPr marL="0" indent="0">
-              <a:buNone/>
-            </a:pPr>
-            <a:endParaRPr lang="en-US" sz="2500"/>
-          </a:p>
-          <a:p>
-            <a:pPr marL="0" indent="0">
-              <a:buNone/>
-            </a:pPr>
-            <a:r>
-              <a:rPr lang="en-US" sz="2500" b="1"/>
-              <a:t>Get Started with DevOps for .NET Windows Desktop Apps and Visual Studio App Center</a:t>
-            </a:r>
-          </a:p>
-          <a:p>
-            <a:pPr marL="0" indent="0">
-              <a:buNone/>
-            </a:pPr>
-            <a:r>
-              <a:rPr lang="en-US" sz="2500"/>
-              <a:t>Speakers: Daniel Jacobson &amp; Matt Korwel </a:t>
-            </a:r>
-          </a:p>
-          <a:p>
-            <a:pPr marL="0" indent="0">
-              <a:buNone/>
-            </a:pPr>
-            <a:endParaRPr lang="en-US" sz="2500" b="1">
-              <a:solidFill>
-                <a:srgbClr val="0070C0"/>
-              </a:solidFill>
-            </a:endParaRPr>
-          </a:p>
-        </p:txBody>
-      </p:sp>
-      <p:sp>
-        <p:nvSpPr>
-          <p:cNvPr id="2" name="Text Placeholder 1">
-            <a:extLst>
-              <a:ext uri="{FF2B5EF4-FFF2-40B4-BE49-F238E27FC236}">
-                <a16:creationId xmlns:a16="http://schemas.microsoft.com/office/drawing/2014/main" id="{351110EE-37E2-4ACE-B6D5-57DFD72AA473}"/>
-              </a:ext>
-            </a:extLst>
-          </p:cNvPr>
-          <p:cNvSpPr>
-            <a:spLocks noGrp="1"/>
-          </p:cNvSpPr>
-          <p:nvPr>
-            <p:ph type="body" sz="quarter" idx="11"/>
-          </p:nvPr>
-        </p:nvSpPr>
-        <p:spPr>
-          <a:xfrm>
-            <a:off x="6544214" y="1189175"/>
-            <a:ext cx="5378548" cy="4724370"/>
-          </a:xfrm>
-        </p:spPr>
-        <p:txBody>
-          <a:bodyPr/>
-          <a:lstStyle/>
-          <a:p>
-            <a:r>
-              <a:rPr lang="en-US" sz="2500" b="1">
-                <a:solidFill>
-                  <a:srgbClr val="0070C0"/>
-                </a:solidFill>
-              </a:rPr>
-              <a:t>Day 2</a:t>
-            </a:r>
-          </a:p>
-          <a:p>
-            <a:r>
-              <a:rPr lang="en-US" sz="2500" b="1"/>
-              <a:t>What’s new in XAML tools in Visual Studio 2019 for WPF &amp; UWP</a:t>
-            </a:r>
-          </a:p>
-          <a:p>
-            <a:r>
-              <a:rPr lang="en-US" sz="2500"/>
-              <a:t>Speaker: Dmitry Lyalin</a:t>
-            </a:r>
-          </a:p>
-          <a:p>
-            <a:endParaRPr lang="en-US" sz="2500" b="1">
-              <a:solidFill>
-                <a:srgbClr val="0070C0"/>
-              </a:solidFill>
-            </a:endParaRPr>
-          </a:p>
-          <a:p>
-            <a:r>
-              <a:rPr lang="en-US" sz="2500" b="1">
-                <a:solidFill>
-                  <a:srgbClr val="0070C0"/>
-                </a:solidFill>
-              </a:rPr>
-              <a:t>Day 3</a:t>
-            </a:r>
-          </a:p>
-          <a:p>
-            <a:r>
-              <a:rPr lang="en-US" sz="2500" b="1">
-                <a:sym typeface="Wingdings" panose="05000000000000000000" pitchFamily="2" charset="2"/>
-              </a:rPr>
-              <a:t>Modernizing .NET Applications with .NET Core - Beyond the Basics</a:t>
-            </a:r>
-          </a:p>
-          <a:p>
-            <a:r>
-              <a:rPr lang="en-US" sz="2500"/>
-              <a:t>Speaker: Mike Rousos</a:t>
-            </a:r>
-            <a:endParaRPr lang="en-US" sz="2500" b="1">
-              <a:sym typeface="Wingdings" panose="05000000000000000000" pitchFamily="2" charset="2"/>
-            </a:endParaRPr>
-          </a:p>
-          <a:p>
-            <a:pPr algn="ctr"/>
-            <a:endParaRPr lang="en-US" sz="2500" b="1">
-              <a:solidFill>
-                <a:srgbClr val="0070C0"/>
-              </a:solidFill>
-            </a:endParaRPr>
-          </a:p>
-        </p:txBody>
-      </p:sp>
-      <p:sp>
-        <p:nvSpPr>
-          <p:cNvPr id="3" name="Rectangle 2">
-            <a:extLst>
-              <a:ext uri="{FF2B5EF4-FFF2-40B4-BE49-F238E27FC236}">
-                <a16:creationId xmlns:a16="http://schemas.microsoft.com/office/drawing/2014/main" id="{69A8D257-CD25-436F-9CE0-A38D9C72E6FF}"/>
-              </a:ext>
-            </a:extLst>
-          </p:cNvPr>
-          <p:cNvSpPr/>
-          <p:nvPr/>
-        </p:nvSpPr>
-        <p:spPr>
-          <a:xfrm>
-            <a:off x="8613223" y="5986780"/>
-            <a:ext cx="3309536" cy="646331"/>
-          </a:xfrm>
-          <a:prstGeom prst="rect">
-            <a:avLst/>
-          </a:prstGeom>
-        </p:spPr>
-        <p:txBody>
-          <a:bodyPr wrap="square">
-            <a:spAutoFit/>
-          </a:bodyPr>
-          <a:lstStyle/>
-          <a:p>
-            <a:r>
-              <a:rPr lang="en-US" b="1">
-                <a:solidFill>
-                  <a:srgbClr val="0070C0"/>
-                </a:solidFill>
-              </a:rPr>
-              <a:t>Tip: Missed a live session? watch on-demand!</a:t>
-            </a:r>
-          </a:p>
-        </p:txBody>
-      </p:sp>
-      <p:sp>
-        <p:nvSpPr>
-          <p:cNvPr id="6" name="Rectangle 5">
-            <a:extLst>
-              <a:ext uri="{FF2B5EF4-FFF2-40B4-BE49-F238E27FC236}">
-                <a16:creationId xmlns:a16="http://schemas.microsoft.com/office/drawing/2014/main" id="{A95A1BF3-F7E5-42C9-97D0-A8C39184FA19}"/>
-              </a:ext>
-            </a:extLst>
-          </p:cNvPr>
-          <p:cNvSpPr/>
-          <p:nvPr/>
-        </p:nvSpPr>
-        <p:spPr>
-          <a:xfrm>
-            <a:off x="460482" y="6199157"/>
-            <a:ext cx="4664867" cy="369332"/>
-          </a:xfrm>
-          <a:prstGeom prst="rect">
-            <a:avLst/>
-          </a:prstGeom>
-        </p:spPr>
-        <p:txBody>
-          <a:bodyPr wrap="none">
-            <a:spAutoFit/>
-          </a:bodyPr>
-          <a:lstStyle/>
-          <a:p>
-            <a:r>
-              <a:rPr lang="en-US"/>
-              <a:t>Details: </a:t>
-            </a:r>
-            <a:r>
-              <a:rPr lang="en-US">
-                <a:hlinkClick r:id="rId3"/>
-              </a:rPr>
-              <a:t>https://www.dotnetconf.net/agenda</a:t>
-            </a:r>
-            <a:endParaRPr lang="en-US"/>
-          </a:p>
-        </p:txBody>
-      </p:sp>
-    </p:spTree>
-    <p:extLst>
-      <p:ext uri="{BB962C8B-B14F-4D97-AF65-F5344CB8AC3E}">
-        <p14:creationId xmlns:p14="http://schemas.microsoft.com/office/powerpoint/2010/main" val="2731412793"/>
-      </p:ext>
-    </p:extLst>
-  </p:cSld>
-  <p:clrMapOvr>
-    <a:masterClrMapping/>
-  </p:clrMapOvr>
-  <p:transition>
-    <p:fade/>
-  </p:transition>
-</p:sld>
-</file>
-
-<file path=ppt/slides/slide8.xml><?xml version="1.0" encoding="utf-8"?>
-<p:sld xmlns:a="http://schemas.openxmlformats.org/drawingml/2006/main" xmlns:r="http://schemas.openxmlformats.org/officeDocument/2006/relationships" xmlns:p="http://schemas.openxmlformats.org/presentationml/2006/main">
-  <p:cSld>
-    <p:spTree>
-      <p:nvGrpSpPr>
-        <p:cNvPr id="1" name=""/>
-        <p:cNvGrpSpPr/>
-        <p:nvPr/>
-      </p:nvGrpSpPr>
-      <p:grpSpPr>
-        <a:xfrm>
-          <a:off x="0" y="0"/>
-          <a:ext cx="0" cy="0"/>
-          <a:chOff x="0" y="0"/>
-          <a:chExt cx="0" cy="0"/>
-        </a:xfrm>
-      </p:grpSpPr>
-      <p:sp>
-        <p:nvSpPr>
           <p:cNvPr id="2" name="Text Placeholder 1">
             <a:extLst>
               <a:ext uri="{FF2B5EF4-FFF2-40B4-BE49-F238E27FC236}">
@@ -12234,7 +11763,7 @@
 </p:sld>
 </file>
 
-<file path=ppt/slides/slide9.xml><?xml version="1.0" encoding="utf-8"?>
+<file path=ppt/slides/slide8.xml><?xml version="1.0" encoding="utf-8"?>
 <p:sld xmlns:a="http://schemas.openxmlformats.org/drawingml/2006/main" xmlns:r="http://schemas.openxmlformats.org/officeDocument/2006/relationships" xmlns:p="http://schemas.openxmlformats.org/presentationml/2006/main">
   <p:cSld>
     <p:spTree>
@@ -12281,7 +11810,7 @@
               <a:buNone/>
             </a:pPr>
             <a:r>
-              <a:rPr lang="en-US" sz="2400">
+              <a:rPr lang="en-US" sz="2400" dirty="0">
                 <a:solidFill>
                   <a:srgbClr val="151628"/>
                 </a:solidFill>
@@ -12289,18 +11818,18 @@
               <a:t>Repo for this talk: </a:t>
             </a:r>
             <a:r>
-              <a:rPr lang="en-US" sz="2400">
+              <a:rPr lang="en-PH" sz="2400" dirty="0">
                 <a:hlinkClick r:id="rId3"/>
               </a:rPr>
-              <a:t>https://github.com/diverdan92/DotNetConf2019</a:t>
+              <a:t>https://github.com/HopePH/Playground/tree/master/DevOps.WinApp</a:t>
             </a:r>
-            <a:endParaRPr lang="en-US" sz="2400"/>
+            <a:endParaRPr lang="en-US" sz="2400" dirty="0"/>
           </a:p>
           <a:p>
             <a:pPr marL="0" indent="0">
               <a:buNone/>
             </a:pPr>
-            <a:endParaRPr lang="en-US" sz="2400">
+            <a:endParaRPr lang="en-US" sz="2400" dirty="0">
               <a:solidFill>
                 <a:srgbClr val="151628"/>
               </a:solidFill>
@@ -12311,7 +11840,7 @@
               <a:buNone/>
             </a:pPr>
             <a:r>
-              <a:rPr lang="en-US" sz="2400">
+              <a:rPr lang="en-US" sz="2400" dirty="0">
                 <a:solidFill>
                   <a:srgbClr val="151628"/>
                 </a:solidFill>
@@ -12319,19 +11848,19 @@
               <a:t>More advanced talk &amp; repo: </a:t>
             </a:r>
             <a:r>
-              <a:rPr lang="en-US" sz="2400">
+              <a:rPr lang="en-US" sz="2400" dirty="0">
                 <a:hlinkClick r:id="rId4"/>
               </a:rPr>
               <a:t>https://www.youtube.com/watch?v=vc2edJW34Ps</a:t>
             </a:r>
-            <a:endParaRPr lang="en-US" sz="2400"/>
+            <a:endParaRPr lang="en-US" sz="2400" dirty="0"/>
           </a:p>
           <a:p>
             <a:pPr marL="0" indent="0">
               <a:buNone/>
             </a:pPr>
             <a:r>
-              <a:rPr lang="en-US" sz="2400">
+              <a:rPr lang="en-US" sz="2400" dirty="0">
                 <a:solidFill>
                   <a:schemeClr val="tx1"/>
                 </a:solidFill>
@@ -12339,7 +11868,7 @@
               </a:rPr>
               <a:t>https://aka.ms/devops4clientapps  </a:t>
             </a:r>
-            <a:endParaRPr lang="en-US" sz="2400">
+            <a:endParaRPr lang="en-US" sz="2400" dirty="0">
               <a:solidFill>
                 <a:schemeClr val="tx1"/>
               </a:solidFill>
@@ -12349,7 +11878,7 @@
             <a:pPr marL="0" indent="0">
               <a:buNone/>
             </a:pPr>
-            <a:endParaRPr lang="en-US" sz="2400">
+            <a:endParaRPr lang="en-US" sz="2400" dirty="0">
               <a:solidFill>
                 <a:schemeClr val="tx1"/>
               </a:solidFill>
@@ -12360,7 +11889,7 @@
               <a:buNone/>
             </a:pPr>
             <a:r>
-              <a:rPr lang="en-US" sz="2400">
+              <a:rPr lang="en-US" sz="2400" dirty="0">
                 <a:solidFill>
                   <a:schemeClr val="tx1"/>
                 </a:solidFill>
@@ -12373,24 +11902,24 @@
               <a:buNone/>
             </a:pPr>
             <a:r>
-              <a:rPr lang="en-US" sz="2400">
+              <a:rPr lang="en-US" sz="2400" dirty="0">
                 <a:hlinkClick r:id="rId6"/>
               </a:rPr>
               <a:t>https://docs.microsoft.com/en-us/windows/msix/overview</a:t>
             </a:r>
-            <a:endParaRPr lang="en-US" sz="2400"/>
+            <a:endParaRPr lang="en-US" sz="2400" dirty="0"/>
           </a:p>
           <a:p>
             <a:pPr marL="0" indent="0">
               <a:buNone/>
             </a:pPr>
             <a:r>
-              <a:rPr lang="en-US" sz="2400">
+              <a:rPr lang="en-US" sz="2400" dirty="0">
                 <a:hlinkClick r:id="rId7"/>
               </a:rPr>
               <a:t>https://docs.microsoft.com/en-us/windows/msix/desktop/desktop-to-uwp-packaging-dot-net</a:t>
             </a:r>
-            <a:endParaRPr lang="en-US" sz="2400">
+            <a:endParaRPr lang="en-US" sz="2400" dirty="0">
               <a:solidFill>
                 <a:schemeClr val="tx1"/>
               </a:solidFill>
@@ -12400,7 +11929,7 @@
             <a:pPr marL="0" indent="0">
               <a:buNone/>
             </a:pPr>
-            <a:endParaRPr lang="en-US" sz="2400">
+            <a:endParaRPr lang="en-US" sz="2400" dirty="0">
               <a:solidFill>
                 <a:srgbClr val="151628"/>
               </a:solidFill>
@@ -12411,7 +11940,7 @@
               <a:buNone/>
             </a:pPr>
             <a:r>
-              <a:rPr lang="en-US" sz="2400">
+              <a:rPr lang="en-US" sz="2400" dirty="0">
                 <a:solidFill>
                   <a:srgbClr val="151628"/>
                 </a:solidFill>
@@ -12424,12 +11953,12 @@
               <a:buNone/>
             </a:pPr>
             <a:r>
-              <a:rPr lang="en-US" sz="2400">
+              <a:rPr lang="en-US" sz="2400" dirty="0">
                 <a:hlinkClick r:id="rId8"/>
               </a:rPr>
               <a:t>https://www.hanselman.com/blog/MakingATinyNETCore30EntirelySelfcontainedSingleExecutable.aspx</a:t>
             </a:r>
-            <a:endParaRPr lang="en-US" sz="2400">
+            <a:endParaRPr lang="en-US" sz="2400" dirty="0">
               <a:solidFill>
                 <a:srgbClr val="151628"/>
               </a:solidFill>
@@ -12469,6 +11998,67 @@
     <p:extLst>
       <p:ext uri="{BB962C8B-B14F-4D97-AF65-F5344CB8AC3E}">
         <p14:creationId xmlns:p14="http://schemas.microsoft.com/office/powerpoint/2010/main" val="3811578879"/>
+      </p:ext>
+    </p:extLst>
+  </p:cSld>
+  <p:clrMapOvr>
+    <a:masterClrMapping/>
+  </p:clrMapOvr>
+  <p:transition>
+    <p:fade/>
+  </p:transition>
+</p:sld>
+</file>
+
+<file path=ppt/slides/slide9.xml><?xml version="1.0" encoding="utf-8"?>
+<p:sld xmlns:a="http://schemas.openxmlformats.org/drawingml/2006/main" xmlns:r="http://schemas.openxmlformats.org/officeDocument/2006/relationships" xmlns:p="http://schemas.openxmlformats.org/presentationml/2006/main">
+  <p:cSld>
+    <p:spTree>
+      <p:nvGrpSpPr>
+        <p:cNvPr id="1" name=""/>
+        <p:cNvGrpSpPr/>
+        <p:nvPr/>
+      </p:nvGrpSpPr>
+      <p:grpSpPr>
+        <a:xfrm>
+          <a:off x="0" y="0"/>
+          <a:ext cx="0" cy="0"/>
+          <a:chOff x="0" y="0"/>
+          <a:chExt cx="0" cy="0"/>
+        </a:xfrm>
+      </p:grpSpPr>
+      <p:sp>
+        <p:nvSpPr>
+          <p:cNvPr id="2" name="Title 1">
+            <a:extLst>
+              <a:ext uri="{FF2B5EF4-FFF2-40B4-BE49-F238E27FC236}">
+                <a16:creationId xmlns:a16="http://schemas.microsoft.com/office/drawing/2014/main" id="{EEB8CB93-C152-4A3D-BED8-2A7B45E01969}"/>
+              </a:ext>
+            </a:extLst>
+          </p:cNvPr>
+          <p:cNvSpPr>
+            <a:spLocks noGrp="1"/>
+          </p:cNvSpPr>
+          <p:nvPr>
+            <p:ph type="title"/>
+          </p:nvPr>
+        </p:nvSpPr>
+        <p:spPr/>
+        <p:txBody>
+          <a:bodyPr/>
+          <a:lstStyle/>
+          <a:p>
+            <a:r>
+              <a:rPr lang="en-US"/>
+              <a:t>Q&amp;A</a:t>
+            </a:r>
+          </a:p>
+        </p:txBody>
+      </p:sp>
+    </p:spTree>
+    <p:extLst>
+      <p:ext uri="{BB962C8B-B14F-4D97-AF65-F5344CB8AC3E}">
+        <p14:creationId xmlns:p14="http://schemas.microsoft.com/office/powerpoint/2010/main" val="3620381772"/>
       </p:ext>
     </p:extLst>
   </p:cSld>
